--- a/paper/fig-ppt/maze_feedrate.pptx
+++ b/paper/fig-ppt/maze_feedrate.pptx
@@ -3324,10 +3324,10 @@
       </p:grpSpPr>
       <p:pic>
         <p:nvPicPr>
-          <p:cNvPr id="3" name="图片 2">
-            <a:extLst>
-              <a:ext uri="{FF2B5EF4-FFF2-40B4-BE49-F238E27FC236}">
-                <a16:creationId xmlns:a16="http://schemas.microsoft.com/office/drawing/2014/main" id="{C23BD6A4-214F-7EA3-8A5D-3929CE965F81}"/>
+          <p:cNvPr id="132" name="图片 131">
+            <a:extLst>
+              <a:ext uri="{FF2B5EF4-FFF2-40B4-BE49-F238E27FC236}">
+                <a16:creationId xmlns:a16="http://schemas.microsoft.com/office/drawing/2014/main" id="{036CE330-1AC2-F89A-A763-2B022A6973F2}"/>
               </a:ext>
             </a:extLst>
           </p:cNvPr>
@@ -3338,6 +3338,64 @@
         </p:nvPicPr>
         <p:blipFill rotWithShape="1">
           <a:blip r:embed="rId2"/>
+          <a:srcRect l="9152" r="6563"/>
+          <a:stretch/>
+        </p:blipFill>
+        <p:spPr>
+          <a:xfrm>
+            <a:off x="8701227" y="1426399"/>
+            <a:ext cx="1605623" cy="1238250"/>
+          </a:xfrm>
+          <a:prstGeom prst="rect">
+            <a:avLst/>
+          </a:prstGeom>
+        </p:spPr>
+      </p:pic>
+      <p:pic>
+        <p:nvPicPr>
+          <p:cNvPr id="130" name="图片 129">
+            <a:extLst>
+              <a:ext uri="{FF2B5EF4-FFF2-40B4-BE49-F238E27FC236}">
+                <a16:creationId xmlns:a16="http://schemas.microsoft.com/office/drawing/2014/main" id="{21D2318C-457A-13EC-58F0-7A553B058251}"/>
+              </a:ext>
+            </a:extLst>
+          </p:cNvPr>
+          <p:cNvPicPr>
+            <a:picLocks noChangeAspect="1"/>
+          </p:cNvPicPr>
+          <p:nvPr/>
+        </p:nvPicPr>
+        <p:blipFill rotWithShape="1">
+          <a:blip r:embed="rId3"/>
+          <a:srcRect l="9036" r="6561"/>
+          <a:stretch/>
+        </p:blipFill>
+        <p:spPr>
+          <a:xfrm>
+            <a:off x="8696336" y="3214916"/>
+            <a:ext cx="1607875" cy="1238250"/>
+          </a:xfrm>
+          <a:prstGeom prst="rect">
+            <a:avLst/>
+          </a:prstGeom>
+        </p:spPr>
+      </p:pic>
+      <p:pic>
+        <p:nvPicPr>
+          <p:cNvPr id="3" name="图片 2">
+            <a:extLst>
+              <a:ext uri="{FF2B5EF4-FFF2-40B4-BE49-F238E27FC236}">
+                <a16:creationId xmlns:a16="http://schemas.microsoft.com/office/drawing/2014/main" id="{C23BD6A4-214F-7EA3-8A5D-3929CE965F81}"/>
+              </a:ext>
+            </a:extLst>
+          </p:cNvPr>
+          <p:cNvPicPr>
+            <a:picLocks noChangeAspect="1"/>
+          </p:cNvPicPr>
+          <p:nvPr/>
+        </p:nvPicPr>
+        <p:blipFill rotWithShape="1">
+          <a:blip r:embed="rId4"/>
           <a:srcRect l="7855" t="19400" r="16716" b="24687"/>
           <a:stretch/>
         </p:blipFill>
@@ -3593,7 +3651,7 @@
           <p:nvPr/>
         </p:nvPicPr>
         <p:blipFill>
-          <a:blip r:embed="rId3"/>
+          <a:blip r:embed="rId5"/>
           <a:stretch>
             <a:fillRect/>
           </a:stretch>
@@ -3623,7 +3681,7 @@
           <p:nvPr/>
         </p:nvPicPr>
         <p:blipFill>
-          <a:blip r:embed="rId4"/>
+          <a:blip r:embed="rId6"/>
           <a:stretch>
             <a:fillRect/>
           </a:stretch>
@@ -3704,8 +3762,8 @@
         </p:nvCxnSpPr>
         <p:spPr>
           <a:xfrm flipV="1">
-            <a:off x="7107655" y="1536700"/>
-            <a:ext cx="1446361" cy="284556"/>
+            <a:off x="7107655" y="1438534"/>
+            <a:ext cx="1337369" cy="382722"/>
           </a:xfrm>
           <a:prstGeom prst="line">
             <a:avLst/>
@@ -3749,7 +3807,7 @@
         <p:spPr>
           <a:xfrm>
             <a:off x="7107655" y="3853091"/>
-            <a:ext cx="1406402" cy="446032"/>
+            <a:ext cx="1309817" cy="539742"/>
           </a:xfrm>
           <a:prstGeom prst="line">
             <a:avLst/>
@@ -4193,7 +4251,7 @@
                 <a:avLst/>
               </a:prstGeom>
               <a:blipFill>
-                <a:blip r:embed="rId5"/>
+                <a:blip r:embed="rId7"/>
                 <a:stretch>
                   <a:fillRect l="-5000" r="-1667" b="-6452"/>
                 </a:stretch>
@@ -4322,7 +4380,7 @@
                 <a:avLst/>
               </a:prstGeom>
               <a:blipFill>
-                <a:blip r:embed="rId6"/>
+                <a:blip r:embed="rId8"/>
                 <a:stretch>
                   <a:fillRect b="-10000"/>
                 </a:stretch>
@@ -4445,7 +4503,7 @@
                 <a:avLst/>
               </a:prstGeom>
               <a:blipFill>
-                <a:blip r:embed="rId7"/>
+                <a:blip r:embed="rId9"/>
                 <a:stretch>
                   <a:fillRect l="-3333" r="-1667" b="-12121"/>
                 </a:stretch>
@@ -4574,7 +4632,7 @@
                 <a:avLst/>
               </a:prstGeom>
               <a:blipFill>
-                <a:blip r:embed="rId8"/>
+                <a:blip r:embed="rId10"/>
                 <a:stretch>
                   <a:fillRect l="-1266" t="-3125" r="-1266" b="-15625"/>
                 </a:stretch>
@@ -4595,66 +4653,928 @@
           </p:sp>
         </mc:Fallback>
       </mc:AlternateContent>
-      <p:pic>
-        <p:nvPicPr>
-          <p:cNvPr id="118" name="图片 117">
-            <a:extLst>
-              <a:ext uri="{FF2B5EF4-FFF2-40B4-BE49-F238E27FC236}">
-                <a16:creationId xmlns:a16="http://schemas.microsoft.com/office/drawing/2014/main" id="{B0239F41-7393-4C64-744F-972352BEE60F}"/>
-              </a:ext>
-            </a:extLst>
-          </p:cNvPr>
-          <p:cNvPicPr>
-            <a:picLocks noChangeAspect="1"/>
-          </p:cNvPicPr>
+      <p:sp>
+        <p:nvSpPr>
+          <p:cNvPr id="134" name="矩形 133">
+            <a:extLst>
+              <a:ext uri="{FF2B5EF4-FFF2-40B4-BE49-F238E27FC236}">
+                <a16:creationId xmlns:a16="http://schemas.microsoft.com/office/drawing/2014/main" id="{E131BD68-64D7-E04C-A988-D6BD33037274}"/>
+              </a:ext>
+            </a:extLst>
+          </p:cNvPr>
+          <p:cNvSpPr/>
           <p:nvPr/>
-        </p:nvPicPr>
-        <p:blipFill>
-          <a:blip r:embed="rId9"/>
-          <a:stretch>
-            <a:fillRect/>
-          </a:stretch>
-        </p:blipFill>
+        </p:nvSpPr>
         <p:spPr>
           <a:xfrm>
-            <a:off x="8296438" y="1367632"/>
-            <a:ext cx="1905000" cy="1238250"/>
+            <a:off x="8445024" y="1438534"/>
+            <a:ext cx="1964795" cy="3014632"/>
           </a:xfrm>
           <a:prstGeom prst="rect">
             <a:avLst/>
           </a:prstGeom>
-        </p:spPr>
-      </p:pic>
-      <p:pic>
-        <p:nvPicPr>
-          <p:cNvPr id="120" name="图片 119">
-            <a:extLst>
-              <a:ext uri="{FF2B5EF4-FFF2-40B4-BE49-F238E27FC236}">
-                <a16:creationId xmlns:a16="http://schemas.microsoft.com/office/drawing/2014/main" id="{914419C3-0C4C-BE14-B05C-D0FB4E8B6D85}"/>
-              </a:ext>
-            </a:extLst>
-          </p:cNvPr>
-          <p:cNvPicPr>
-            <a:picLocks noChangeAspect="1"/>
-          </p:cNvPicPr>
+          <a:noFill/>
+          <a:ln>
+            <a:prstDash val="dash"/>
+          </a:ln>
+        </p:spPr>
+        <p:style>
+          <a:lnRef idx="2">
+            <a:schemeClr val="accent1">
+              <a:shade val="50000"/>
+            </a:schemeClr>
+          </a:lnRef>
+          <a:fillRef idx="1">
+            <a:schemeClr val="accent1"/>
+          </a:fillRef>
+          <a:effectRef idx="0">
+            <a:schemeClr val="accent1"/>
+          </a:effectRef>
+          <a:fontRef idx="minor">
+            <a:schemeClr val="lt1"/>
+          </a:fontRef>
+        </p:style>
+        <p:txBody>
+          <a:bodyPr rtlCol="0" anchor="ctr"/>
+          <a:lstStyle/>
+          <a:p>
+            <a:pPr algn="ctr"/>
+            <a:endParaRPr lang="zh-CN" altLang="en-US"/>
+          </a:p>
+        </p:txBody>
+      </p:sp>
+      <p:cxnSp>
+        <p:nvCxnSpPr>
+          <p:cNvPr id="137" name="直接连接符 90">
+            <a:extLst>
+              <a:ext uri="{FF2B5EF4-FFF2-40B4-BE49-F238E27FC236}">
+                <a16:creationId xmlns:a16="http://schemas.microsoft.com/office/drawing/2014/main" id="{73349C2F-A966-4BA1-E44E-E83459D0961F}"/>
+              </a:ext>
+            </a:extLst>
+          </p:cNvPr>
+          <p:cNvCxnSpPr>
+            <a:cxnSpLocks/>
+          </p:cNvCxnSpPr>
           <p:nvPr/>
-        </p:nvPicPr>
-        <p:blipFill>
-          <a:blip r:embed="rId10"/>
-          <a:stretch>
-            <a:fillRect/>
-          </a:stretch>
-        </p:blipFill>
+        </p:nvCxnSpPr>
         <p:spPr>
           <a:xfrm>
-            <a:off x="8303111" y="3236890"/>
-            <a:ext cx="1905000" cy="1238250"/>
+            <a:off x="2633183" y="3038564"/>
+            <a:ext cx="213541" cy="0"/>
+          </a:xfrm>
+          <a:prstGeom prst="line">
+            <a:avLst/>
+          </a:prstGeom>
+          <a:ln w="15875">
+            <a:solidFill>
+              <a:schemeClr val="tx1"/>
+            </a:solidFill>
+          </a:ln>
+        </p:spPr>
+        <p:style>
+          <a:lnRef idx="1">
+            <a:schemeClr val="accent1"/>
+          </a:lnRef>
+          <a:fillRef idx="0">
+            <a:schemeClr val="accent1"/>
+          </a:fillRef>
+          <a:effectRef idx="0">
+            <a:schemeClr val="accent1"/>
+          </a:effectRef>
+          <a:fontRef idx="minor">
+            <a:schemeClr val="tx1"/>
+          </a:fontRef>
+        </p:style>
+      </p:cxnSp>
+      <p:cxnSp>
+        <p:nvCxnSpPr>
+          <p:cNvPr id="138" name="直接连接符 91">
+            <a:extLst>
+              <a:ext uri="{FF2B5EF4-FFF2-40B4-BE49-F238E27FC236}">
+                <a16:creationId xmlns:a16="http://schemas.microsoft.com/office/drawing/2014/main" id="{17B2F605-8D5B-B7E0-405E-B4C18726F0A1}"/>
+              </a:ext>
+            </a:extLst>
+          </p:cNvPr>
+          <p:cNvCxnSpPr>
+            <a:cxnSpLocks/>
+          </p:cNvCxnSpPr>
+          <p:nvPr/>
+        </p:nvCxnSpPr>
+        <p:spPr>
+          <a:xfrm>
+            <a:off x="2633183" y="2544868"/>
+            <a:ext cx="213541" cy="0"/>
+          </a:xfrm>
+          <a:prstGeom prst="line">
+            <a:avLst/>
+          </a:prstGeom>
+          <a:ln w="15875">
+            <a:solidFill>
+              <a:schemeClr val="tx1"/>
+            </a:solidFill>
+          </a:ln>
+        </p:spPr>
+        <p:style>
+          <a:lnRef idx="1">
+            <a:schemeClr val="accent1"/>
+          </a:lnRef>
+          <a:fillRef idx="0">
+            <a:schemeClr val="accent1"/>
+          </a:fillRef>
+          <a:effectRef idx="0">
+            <a:schemeClr val="accent1"/>
+          </a:effectRef>
+          <a:fontRef idx="minor">
+            <a:schemeClr val="tx1"/>
+          </a:fontRef>
+        </p:style>
+      </p:cxnSp>
+      <p:cxnSp>
+        <p:nvCxnSpPr>
+          <p:cNvPr id="139" name="直接连接符 92">
+            <a:extLst>
+              <a:ext uri="{FF2B5EF4-FFF2-40B4-BE49-F238E27FC236}">
+                <a16:creationId xmlns:a16="http://schemas.microsoft.com/office/drawing/2014/main" id="{E7FD0981-AAD9-0377-BE0A-D7886C12AAEE}"/>
+              </a:ext>
+            </a:extLst>
+          </p:cNvPr>
+          <p:cNvCxnSpPr>
+            <a:cxnSpLocks/>
+          </p:cNvCxnSpPr>
+          <p:nvPr/>
+        </p:nvCxnSpPr>
+        <p:spPr>
+          <a:xfrm flipV="1">
+            <a:off x="2753952" y="2551737"/>
+            <a:ext cx="0" cy="472538"/>
+          </a:xfrm>
+          <a:prstGeom prst="line">
+            <a:avLst/>
+          </a:prstGeom>
+          <a:ln w="15875">
+            <a:solidFill>
+              <a:schemeClr val="tx1"/>
+            </a:solidFill>
+            <a:headEnd type="stealth"/>
+            <a:tailEnd type="stealth"/>
+          </a:ln>
+        </p:spPr>
+        <p:style>
+          <a:lnRef idx="1">
+            <a:schemeClr val="accent1"/>
+          </a:lnRef>
+          <a:fillRef idx="0">
+            <a:schemeClr val="accent1"/>
+          </a:fillRef>
+          <a:effectRef idx="0">
+            <a:schemeClr val="accent1"/>
+          </a:effectRef>
+          <a:fontRef idx="minor">
+            <a:schemeClr val="tx1"/>
+          </a:fontRef>
+        </p:style>
+      </p:cxnSp>
+      <p:sp>
+        <p:nvSpPr>
+          <p:cNvPr id="140" name="文本框 9">
+            <a:extLst>
+              <a:ext uri="{FF2B5EF4-FFF2-40B4-BE49-F238E27FC236}">
+                <a16:creationId xmlns:a16="http://schemas.microsoft.com/office/drawing/2014/main" id="{8443E179-894E-AF2F-D4BA-83A1D75C5A8B}"/>
+              </a:ext>
+            </a:extLst>
+          </p:cNvPr>
+          <p:cNvSpPr txBox="1"/>
+          <p:nvPr/>
+        </p:nvSpPr>
+        <p:spPr>
+          <a:xfrm rot="16200000">
+            <a:off x="2319345" y="2655191"/>
+            <a:ext cx="623889" cy="276999"/>
           </a:xfrm>
           <a:prstGeom prst="rect">
             <a:avLst/>
           </a:prstGeom>
-        </p:spPr>
-      </p:pic>
+          <a:noFill/>
+          <a:ln>
+            <a:noFill/>
+          </a:ln>
+        </p:spPr>
+        <p:txBody>
+          <a:bodyPr wrap="none" rtlCol="0">
+            <a:spAutoFit/>
+          </a:bodyPr>
+          <a:lstStyle/>
+          <a:p>
+            <a:pPr algn="ctr"/>
+            <a:r>
+              <a:rPr lang="en-US" altLang="zh-CN" sz="1200" dirty="0">
+                <a:latin typeface="Calibri" panose="020F0502020204030204" pitchFamily="34" charset="0"/>
+                <a:cs typeface="Calibri" panose="020F0502020204030204" pitchFamily="34" charset="0"/>
+              </a:rPr>
+              <a:t>26 mm</a:t>
+            </a:r>
+            <a:endParaRPr lang="zh-CN" altLang="en-US" sz="1200" dirty="0">
+              <a:latin typeface="Calibri" panose="020F0502020204030204" pitchFamily="34" charset="0"/>
+              <a:cs typeface="Calibri" panose="020F0502020204030204" pitchFamily="34" charset="0"/>
+            </a:endParaRPr>
+          </a:p>
+        </p:txBody>
+      </p:sp>
+      <p:cxnSp>
+        <p:nvCxnSpPr>
+          <p:cNvPr id="141" name="直接连接符 87">
+            <a:extLst>
+              <a:ext uri="{FF2B5EF4-FFF2-40B4-BE49-F238E27FC236}">
+                <a16:creationId xmlns:a16="http://schemas.microsoft.com/office/drawing/2014/main" id="{FAE561E5-BEE1-E668-C060-D6125A5CF132}"/>
+              </a:ext>
+            </a:extLst>
+          </p:cNvPr>
+          <p:cNvCxnSpPr>
+            <a:cxnSpLocks/>
+          </p:cNvCxnSpPr>
+          <p:nvPr/>
+        </p:nvCxnSpPr>
+        <p:spPr>
+          <a:xfrm>
+            <a:off x="4716523" y="3051448"/>
+            <a:ext cx="0" cy="266180"/>
+          </a:xfrm>
+          <a:prstGeom prst="line">
+            <a:avLst/>
+          </a:prstGeom>
+          <a:ln w="15875">
+            <a:solidFill>
+              <a:schemeClr val="tx1"/>
+            </a:solidFill>
+          </a:ln>
+        </p:spPr>
+        <p:style>
+          <a:lnRef idx="1">
+            <a:schemeClr val="accent1"/>
+          </a:lnRef>
+          <a:fillRef idx="0">
+            <a:schemeClr val="accent1"/>
+          </a:fillRef>
+          <a:effectRef idx="0">
+            <a:schemeClr val="accent1"/>
+          </a:effectRef>
+          <a:fontRef idx="minor">
+            <a:schemeClr val="tx1"/>
+          </a:fontRef>
+        </p:style>
+      </p:cxnSp>
+      <p:cxnSp>
+        <p:nvCxnSpPr>
+          <p:cNvPr id="142" name="直接连接符 88">
+            <a:extLst>
+              <a:ext uri="{FF2B5EF4-FFF2-40B4-BE49-F238E27FC236}">
+                <a16:creationId xmlns:a16="http://schemas.microsoft.com/office/drawing/2014/main" id="{61BE9C50-B7B7-AA25-F41B-8FFBBDE8049C}"/>
+              </a:ext>
+            </a:extLst>
+          </p:cNvPr>
+          <p:cNvCxnSpPr>
+            <a:cxnSpLocks/>
+          </p:cNvCxnSpPr>
+          <p:nvPr/>
+        </p:nvCxnSpPr>
+        <p:spPr>
+          <a:xfrm>
+            <a:off x="2897707" y="3224441"/>
+            <a:ext cx="1818816" cy="0"/>
+          </a:xfrm>
+          <a:prstGeom prst="line">
+            <a:avLst/>
+          </a:prstGeom>
+          <a:ln w="15875">
+            <a:solidFill>
+              <a:schemeClr val="tx1"/>
+            </a:solidFill>
+            <a:headEnd type="stealth"/>
+            <a:tailEnd type="stealth"/>
+          </a:ln>
+        </p:spPr>
+        <p:style>
+          <a:lnRef idx="1">
+            <a:schemeClr val="accent1"/>
+          </a:lnRef>
+          <a:fillRef idx="0">
+            <a:schemeClr val="accent1"/>
+          </a:fillRef>
+          <a:effectRef idx="0">
+            <a:schemeClr val="accent1"/>
+          </a:effectRef>
+          <a:fontRef idx="minor">
+            <a:schemeClr val="tx1"/>
+          </a:fontRef>
+        </p:style>
+      </p:cxnSp>
+      <p:sp>
+        <p:nvSpPr>
+          <p:cNvPr id="143" name="文本框 9">
+            <a:extLst>
+              <a:ext uri="{FF2B5EF4-FFF2-40B4-BE49-F238E27FC236}">
+                <a16:creationId xmlns:a16="http://schemas.microsoft.com/office/drawing/2014/main" id="{21DFE6F9-6C96-B290-B70F-EAECA0B461D1}"/>
+              </a:ext>
+            </a:extLst>
+          </p:cNvPr>
+          <p:cNvSpPr txBox="1"/>
+          <p:nvPr/>
+        </p:nvSpPr>
+        <p:spPr>
+          <a:xfrm>
+            <a:off x="3528347" y="2981941"/>
+            <a:ext cx="702435" cy="276999"/>
+          </a:xfrm>
+          <a:prstGeom prst="rect">
+            <a:avLst/>
+          </a:prstGeom>
+          <a:noFill/>
+          <a:ln>
+            <a:noFill/>
+          </a:ln>
+        </p:spPr>
+        <p:txBody>
+          <a:bodyPr wrap="none" rtlCol="0">
+            <a:spAutoFit/>
+          </a:bodyPr>
+          <a:lstStyle/>
+          <a:p>
+            <a:pPr algn="ctr"/>
+            <a:r>
+              <a:rPr lang="en-US" altLang="zh-CN" sz="1200" dirty="0">
+                <a:latin typeface="Calibri" panose="020F0502020204030204" pitchFamily="34" charset="0"/>
+                <a:cs typeface="Calibri" panose="020F0502020204030204" pitchFamily="34" charset="0"/>
+              </a:rPr>
+              <a:t>102 mm</a:t>
+            </a:r>
+            <a:endParaRPr lang="zh-CN" altLang="en-US" sz="1200" dirty="0">
+              <a:latin typeface="Calibri" panose="020F0502020204030204" pitchFamily="34" charset="0"/>
+              <a:cs typeface="Calibri" panose="020F0502020204030204" pitchFamily="34" charset="0"/>
+            </a:endParaRPr>
+          </a:p>
+        </p:txBody>
+      </p:sp>
+      <p:cxnSp>
+        <p:nvCxnSpPr>
+          <p:cNvPr id="144" name="直接连接符 87">
+            <a:extLst>
+              <a:ext uri="{FF2B5EF4-FFF2-40B4-BE49-F238E27FC236}">
+                <a16:creationId xmlns:a16="http://schemas.microsoft.com/office/drawing/2014/main" id="{0B3A8306-8D1C-6719-F283-D419BD011956}"/>
+              </a:ext>
+            </a:extLst>
+          </p:cNvPr>
+          <p:cNvCxnSpPr>
+            <a:cxnSpLocks/>
+          </p:cNvCxnSpPr>
+          <p:nvPr/>
+        </p:nvCxnSpPr>
+        <p:spPr>
+          <a:xfrm>
+            <a:off x="2892815" y="3051448"/>
+            <a:ext cx="0" cy="266180"/>
+          </a:xfrm>
+          <a:prstGeom prst="line">
+            <a:avLst/>
+          </a:prstGeom>
+          <a:ln w="15875">
+            <a:solidFill>
+              <a:schemeClr val="tx1"/>
+            </a:solidFill>
+          </a:ln>
+        </p:spPr>
+        <p:style>
+          <a:lnRef idx="1">
+            <a:schemeClr val="accent1"/>
+          </a:lnRef>
+          <a:fillRef idx="0">
+            <a:schemeClr val="accent1"/>
+          </a:fillRef>
+          <a:effectRef idx="0">
+            <a:schemeClr val="accent1"/>
+          </a:effectRef>
+          <a:fontRef idx="minor">
+            <a:schemeClr val="tx1"/>
+          </a:fontRef>
+        </p:style>
+      </p:cxnSp>
+      <p:grpSp>
+        <p:nvGrpSpPr>
+          <p:cNvPr id="155" name="组合 154">
+            <a:extLst>
+              <a:ext uri="{FF2B5EF4-FFF2-40B4-BE49-F238E27FC236}">
+                <a16:creationId xmlns:a16="http://schemas.microsoft.com/office/drawing/2014/main" id="{B88DF0D6-3887-BF1D-6DBF-1D5657B7AA9B}"/>
+              </a:ext>
+            </a:extLst>
+          </p:cNvPr>
+          <p:cNvGrpSpPr/>
+          <p:nvPr/>
+        </p:nvGrpSpPr>
+        <p:grpSpPr>
+          <a:xfrm>
+            <a:off x="8982780" y="2705605"/>
+            <a:ext cx="1051470" cy="369356"/>
+            <a:chOff x="3156599" y="2143822"/>
+            <a:chExt cx="1051470" cy="369356"/>
+          </a:xfrm>
+        </p:grpSpPr>
+        <p:sp>
+          <p:nvSpPr>
+            <p:cNvPr id="156" name="矩形 155">
+              <a:extLst>
+                <a:ext uri="{FF2B5EF4-FFF2-40B4-BE49-F238E27FC236}">
+                  <a16:creationId xmlns:a16="http://schemas.microsoft.com/office/drawing/2014/main" id="{B702B02B-E1FA-A5E3-3C3A-82D261D9401E}"/>
+                </a:ext>
+              </a:extLst>
+            </p:cNvPr>
+            <p:cNvSpPr/>
+            <p:nvPr/>
+          </p:nvSpPr>
+          <p:spPr>
+            <a:xfrm>
+              <a:off x="3156599" y="2143822"/>
+              <a:ext cx="1051470" cy="369332"/>
+            </a:xfrm>
+            <a:prstGeom prst="rect">
+              <a:avLst/>
+            </a:prstGeom>
+            <a:noFill/>
+            <a:ln>
+              <a:solidFill>
+                <a:schemeClr val="tx1"/>
+              </a:solidFill>
+            </a:ln>
+          </p:spPr>
+          <p:style>
+            <a:lnRef idx="2">
+              <a:schemeClr val="accent1">
+                <a:shade val="50000"/>
+              </a:schemeClr>
+            </a:lnRef>
+            <a:fillRef idx="1">
+              <a:schemeClr val="accent1"/>
+            </a:fillRef>
+            <a:effectRef idx="0">
+              <a:schemeClr val="accent1"/>
+            </a:effectRef>
+            <a:fontRef idx="minor">
+              <a:schemeClr val="lt1"/>
+            </a:fontRef>
+          </p:style>
+          <p:txBody>
+            <a:bodyPr rtlCol="0" anchor="ctr"/>
+            <a:lstStyle/>
+            <a:p>
+              <a:pPr algn="ctr"/>
+              <a:endParaRPr lang="zh-CN" altLang="en-US"/>
+            </a:p>
+          </p:txBody>
+        </p:sp>
+        <p:sp>
+          <p:nvSpPr>
+            <p:cNvPr id="157" name="文本框 9">
+              <a:extLst>
+                <a:ext uri="{FF2B5EF4-FFF2-40B4-BE49-F238E27FC236}">
+                  <a16:creationId xmlns:a16="http://schemas.microsoft.com/office/drawing/2014/main" id="{AFBC5B7C-1183-33C4-149B-0ADE340628FF}"/>
+                </a:ext>
+              </a:extLst>
+            </p:cNvPr>
+            <p:cNvSpPr txBox="1"/>
+            <p:nvPr/>
+          </p:nvSpPr>
+          <p:spPr>
+            <a:xfrm>
+              <a:off x="3565569" y="2174647"/>
+              <a:ext cx="553036" cy="169277"/>
+            </a:xfrm>
+            <a:prstGeom prst="rect">
+              <a:avLst/>
+            </a:prstGeom>
+            <a:noFill/>
+            <a:ln>
+              <a:noFill/>
+            </a:ln>
+          </p:spPr>
+          <p:txBody>
+            <a:bodyPr wrap="none" lIns="0" tIns="0" rIns="0" bIns="0" rtlCol="0">
+              <a:spAutoFit/>
+            </a:bodyPr>
+            <a:lstStyle/>
+            <a:p>
+              <a:pPr algn="ctr"/>
+              <a:r>
+                <a:rPr lang="en-US" altLang="zh-CN" sz="1100" dirty="0">
+                  <a:latin typeface="Calibri" panose="020F0502020204030204" pitchFamily="34" charset="0"/>
+                  <a:cs typeface="Calibri" panose="020F0502020204030204" pitchFamily="34" charset="0"/>
+                </a:rPr>
+                <a:t>Const-acc</a:t>
+              </a:r>
+              <a:endParaRPr lang="zh-CN" altLang="en-US" sz="1100" dirty="0">
+                <a:latin typeface="Calibri" panose="020F0502020204030204" pitchFamily="34" charset="0"/>
+                <a:cs typeface="Calibri" panose="020F0502020204030204" pitchFamily="34" charset="0"/>
+              </a:endParaRPr>
+            </a:p>
+          </p:txBody>
+        </p:sp>
+        <p:sp>
+          <p:nvSpPr>
+            <p:cNvPr id="158" name="文本框 9">
+              <a:extLst>
+                <a:ext uri="{FF2B5EF4-FFF2-40B4-BE49-F238E27FC236}">
+                  <a16:creationId xmlns:a16="http://schemas.microsoft.com/office/drawing/2014/main" id="{F82D33A4-8933-86DF-6AC8-C71B1246AABF}"/>
+                </a:ext>
+              </a:extLst>
+            </p:cNvPr>
+            <p:cNvSpPr txBox="1"/>
+            <p:nvPr/>
+          </p:nvSpPr>
+          <p:spPr>
+            <a:xfrm>
+              <a:off x="3571726" y="2343901"/>
+              <a:ext cx="221215" cy="169277"/>
+            </a:xfrm>
+            <a:prstGeom prst="rect">
+              <a:avLst/>
+            </a:prstGeom>
+            <a:noFill/>
+            <a:ln>
+              <a:noFill/>
+            </a:ln>
+          </p:spPr>
+          <p:txBody>
+            <a:bodyPr wrap="none" lIns="0" tIns="0" rIns="0" bIns="0" rtlCol="0">
+              <a:spAutoFit/>
+            </a:bodyPr>
+            <a:lstStyle/>
+            <a:p>
+              <a:pPr algn="ctr"/>
+              <a:r>
+                <a:rPr lang="en-US" altLang="zh-CN" sz="1100" dirty="0">
+                  <a:latin typeface="Calibri" panose="020F0502020204030204" pitchFamily="34" charset="0"/>
+                  <a:cs typeface="Calibri" panose="020F0502020204030204" pitchFamily="34" charset="0"/>
+                </a:rPr>
+                <a:t>PVT</a:t>
+              </a:r>
+              <a:endParaRPr lang="zh-CN" altLang="en-US" sz="1100" dirty="0">
+                <a:latin typeface="Calibri" panose="020F0502020204030204" pitchFamily="34" charset="0"/>
+                <a:cs typeface="Calibri" panose="020F0502020204030204" pitchFamily="34" charset="0"/>
+              </a:endParaRPr>
+            </a:p>
+          </p:txBody>
+        </p:sp>
+        <p:cxnSp>
+          <p:nvCxnSpPr>
+            <p:cNvPr id="159" name="直接连接符 158">
+              <a:extLst>
+                <a:ext uri="{FF2B5EF4-FFF2-40B4-BE49-F238E27FC236}">
+                  <a16:creationId xmlns:a16="http://schemas.microsoft.com/office/drawing/2014/main" id="{70E708CC-AE0D-4E86-07DF-620C8FE662D7}"/>
+                </a:ext>
+              </a:extLst>
+            </p:cNvPr>
+            <p:cNvCxnSpPr>
+              <a:cxnSpLocks/>
+            </p:cNvCxnSpPr>
+            <p:nvPr/>
+          </p:nvCxnSpPr>
+          <p:spPr>
+            <a:xfrm>
+              <a:off x="3238500" y="2262536"/>
+              <a:ext cx="238125" cy="0"/>
+            </a:xfrm>
+            <a:prstGeom prst="line">
+              <a:avLst/>
+            </a:prstGeom>
+            <a:ln w="19050">
+              <a:solidFill>
+                <a:srgbClr val="0000FF"/>
+              </a:solidFill>
+            </a:ln>
+          </p:spPr>
+          <p:style>
+            <a:lnRef idx="1">
+              <a:schemeClr val="accent1"/>
+            </a:lnRef>
+            <a:fillRef idx="0">
+              <a:schemeClr val="accent1"/>
+            </a:fillRef>
+            <a:effectRef idx="0">
+              <a:schemeClr val="accent1"/>
+            </a:effectRef>
+            <a:fontRef idx="minor">
+              <a:schemeClr val="tx1"/>
+            </a:fontRef>
+          </p:style>
+        </p:cxnSp>
+        <p:cxnSp>
+          <p:nvCxnSpPr>
+            <p:cNvPr id="160" name="直接连接符 159">
+              <a:extLst>
+                <a:ext uri="{FF2B5EF4-FFF2-40B4-BE49-F238E27FC236}">
+                  <a16:creationId xmlns:a16="http://schemas.microsoft.com/office/drawing/2014/main" id="{7D4186E9-BECD-A573-F98C-58A6BF030620}"/>
+                </a:ext>
+              </a:extLst>
+            </p:cNvPr>
+            <p:cNvCxnSpPr>
+              <a:cxnSpLocks/>
+            </p:cNvCxnSpPr>
+            <p:nvPr/>
+          </p:nvCxnSpPr>
+          <p:spPr>
+            <a:xfrm>
+              <a:off x="3238500" y="2417827"/>
+              <a:ext cx="238125" cy="0"/>
+            </a:xfrm>
+            <a:prstGeom prst="line">
+              <a:avLst/>
+            </a:prstGeom>
+            <a:ln w="19050">
+              <a:solidFill>
+                <a:srgbClr val="FF0000"/>
+              </a:solidFill>
+            </a:ln>
+          </p:spPr>
+          <p:style>
+            <a:lnRef idx="1">
+              <a:schemeClr val="accent1"/>
+            </a:lnRef>
+            <a:fillRef idx="0">
+              <a:schemeClr val="accent1"/>
+            </a:fillRef>
+            <a:effectRef idx="0">
+              <a:schemeClr val="accent1"/>
+            </a:effectRef>
+            <a:fontRef idx="minor">
+              <a:schemeClr val="tx1"/>
+            </a:fontRef>
+          </p:style>
+        </p:cxnSp>
+      </p:grpSp>
+      <p:sp>
+        <p:nvSpPr>
+          <p:cNvPr id="166" name="文本框 165">
+            <a:extLst>
+              <a:ext uri="{FF2B5EF4-FFF2-40B4-BE49-F238E27FC236}">
+                <a16:creationId xmlns:a16="http://schemas.microsoft.com/office/drawing/2014/main" id="{3FCE9475-8BF1-9E31-9021-482D21E5F1B3}"/>
+              </a:ext>
+            </a:extLst>
+          </p:cNvPr>
+          <p:cNvSpPr txBox="1"/>
+          <p:nvPr/>
+        </p:nvSpPr>
+        <p:spPr>
+          <a:xfrm>
+            <a:off x="4230782" y="4238334"/>
+            <a:ext cx="33664" cy="184666"/>
+          </a:xfrm>
+          <a:prstGeom prst="rect">
+            <a:avLst/>
+          </a:prstGeom>
+          <a:noFill/>
+        </p:spPr>
+        <p:txBody>
+          <a:bodyPr wrap="none" lIns="0" tIns="0" rIns="0" bIns="0" rtlCol="0">
+            <a:spAutoFit/>
+          </a:bodyPr>
+          <a:lstStyle/>
+          <a:p>
+            <a:pPr/>
+            <a:r>
+              <a:rPr lang="zh-CN" altLang="en-US" sz="1200" dirty="0">
+                <a:latin typeface="Cambria Math" panose="02040503050406030204" pitchFamily="18" charset="0"/>
+              </a:rPr>
+              <a:t> </a:t>
+            </a:r>
+          </a:p>
+        </p:txBody>
+      </p:sp>
+      <mc:AlternateContent xmlns:mc="http://schemas.openxmlformats.org/markup-compatibility/2006">
+        <mc:Choice xmlns:a14="http://schemas.microsoft.com/office/drawing/2010/main" Requires="a14">
+          <p:sp>
+            <p:nvSpPr>
+              <p:cNvPr id="168" name="文本框 167">
+                <a:extLst>
+                  <a:ext uri="{FF2B5EF4-FFF2-40B4-BE49-F238E27FC236}">
+                    <a16:creationId xmlns:a16="http://schemas.microsoft.com/office/drawing/2014/main" id="{D5BB3AF2-3EF6-1EE5-5CED-CF677A6221E6}"/>
+                  </a:ext>
+                </a:extLst>
+              </p:cNvPr>
+              <p:cNvSpPr txBox="1"/>
+              <p:nvPr/>
+            </p:nvSpPr>
+            <p:spPr>
+              <a:xfrm rot="16200000">
+                <a:off x="8535133" y="1953190"/>
+                <a:ext cx="212751" cy="184666"/>
+              </a:xfrm>
+              <a:prstGeom prst="rect">
+                <a:avLst/>
+              </a:prstGeom>
+              <a:noFill/>
+            </p:spPr>
+            <p:txBody>
+              <a:bodyPr wrap="none" lIns="0" tIns="0" rIns="0" bIns="0" rtlCol="0">
+                <a:spAutoFit/>
+              </a:bodyPr>
+              <a:lstStyle/>
+              <a:p>
+                <a14:m>
+                  <m:oMathPara xmlns:m="http://schemas.openxmlformats.org/officeDocument/2006/math">
+                    <m:oMathParaPr>
+                      <m:jc m:val="centerGroup"/>
+                    </m:oMathParaPr>
+                    <m:oMath xmlns:m="http://schemas.openxmlformats.org/officeDocument/2006/math">
+                      <m:sSup>
+                        <m:sSupPr>
+                          <m:ctrlPr>
+                            <a:rPr lang="en-US" altLang="zh-CN" sz="1200" b="0" i="1" smtClean="0">
+                              <a:latin typeface="Cambria Math" panose="02040503050406030204" pitchFamily="18" charset="0"/>
+                            </a:rPr>
+                          </m:ctrlPr>
+                        </m:sSupPr>
+                        <m:e>
+                          <m:r>
+                            <a:rPr lang="en-US" altLang="zh-CN" sz="1200" b="0" i="1" smtClean="0">
+                              <a:latin typeface="Cambria Math" panose="02040503050406030204" pitchFamily="18" charset="0"/>
+                            </a:rPr>
+                            <m:t>𝑣</m:t>
+                          </m:r>
+                        </m:e>
+                        <m:sup>
+                          <m:r>
+                            <a:rPr lang="en-US" altLang="zh-CN" sz="1200" b="0" i="1" smtClean="0">
+                              <a:latin typeface="Cambria Math" panose="02040503050406030204" pitchFamily="18" charset="0"/>
+                            </a:rPr>
+                            <m:t>𝑥</m:t>
+                          </m:r>
+                        </m:sup>
+                      </m:sSup>
+                    </m:oMath>
+                  </m:oMathPara>
+                </a14:m>
+                <a:endParaRPr lang="zh-CN" altLang="en-US" sz="1200" dirty="0"/>
+              </a:p>
+            </p:txBody>
+          </p:sp>
+        </mc:Choice>
+        <mc:Fallback>
+          <p:sp>
+            <p:nvSpPr>
+              <p:cNvPr id="168" name="文本框 167">
+                <a:extLst>
+                  <a:ext uri="{FF2B5EF4-FFF2-40B4-BE49-F238E27FC236}">
+                    <a16:creationId xmlns:a16="http://schemas.microsoft.com/office/drawing/2014/main" id="{D5BB3AF2-3EF6-1EE5-5CED-CF677A6221E6}"/>
+                  </a:ext>
+                </a:extLst>
+              </p:cNvPr>
+              <p:cNvSpPr txBox="1">
+                <a:spLocks noRot="1" noChangeAspect="1" noMove="1" noResize="1" noEditPoints="1" noAdjustHandles="1" noChangeArrowheads="1" noChangeShapeType="1" noTextEdit="1"/>
+              </p:cNvSpPr>
+              <p:nvPr/>
+            </p:nvSpPr>
+            <p:spPr>
+              <a:xfrm rot="16200000">
+                <a:off x="8535133" y="1953190"/>
+                <a:ext cx="212751" cy="184666"/>
+              </a:xfrm>
+              <a:prstGeom prst="rect">
+                <a:avLst/>
+              </a:prstGeom>
+              <a:blipFill>
+                <a:blip r:embed="rId11"/>
+                <a:stretch>
+                  <a:fillRect t="-2857" b="-8571"/>
+                </a:stretch>
+              </a:blipFill>
+            </p:spPr>
+            <p:txBody>
+              <a:bodyPr/>
+              <a:lstStyle/>
+              <a:p>
+                <a:r>
+                  <a:rPr lang="zh-CN" altLang="en-US">
+                    <a:noFill/>
+                  </a:rPr>
+                  <a:t> </a:t>
+                </a:r>
+              </a:p>
+            </p:txBody>
+          </p:sp>
+        </mc:Fallback>
+      </mc:AlternateContent>
+      <mc:AlternateContent xmlns:mc="http://schemas.openxmlformats.org/markup-compatibility/2006">
+        <mc:Choice xmlns:a14="http://schemas.microsoft.com/office/drawing/2010/main" Requires="a14">
+          <p:sp>
+            <p:nvSpPr>
+              <p:cNvPr id="170" name="文本框 169">
+                <a:extLst>
+                  <a:ext uri="{FF2B5EF4-FFF2-40B4-BE49-F238E27FC236}">
+                    <a16:creationId xmlns:a16="http://schemas.microsoft.com/office/drawing/2014/main" id="{FCDA79A6-109C-BC39-A514-9CEB0DECABCF}"/>
+                  </a:ext>
+                </a:extLst>
+              </p:cNvPr>
+              <p:cNvSpPr txBox="1"/>
+              <p:nvPr/>
+            </p:nvSpPr>
+            <p:spPr>
+              <a:xfrm rot="16200000">
+                <a:off x="8535818" y="3739356"/>
+                <a:ext cx="213712" cy="184666"/>
+              </a:xfrm>
+              <a:prstGeom prst="rect">
+                <a:avLst/>
+              </a:prstGeom>
+              <a:noFill/>
+            </p:spPr>
+            <p:txBody>
+              <a:bodyPr wrap="none" lIns="0" tIns="0" rIns="0" bIns="0" rtlCol="0">
+                <a:spAutoFit/>
+              </a:bodyPr>
+              <a:lstStyle/>
+              <a:p>
+                <a:pPr/>
+                <a14:m>
+                  <m:oMathPara xmlns:m="http://schemas.openxmlformats.org/officeDocument/2006/math">
+                    <m:oMathParaPr>
+                      <m:jc m:val="centerGroup"/>
+                    </m:oMathParaPr>
+                    <m:oMath xmlns:m="http://schemas.openxmlformats.org/officeDocument/2006/math">
+                      <m:sSup>
+                        <m:sSupPr>
+                          <m:ctrlPr>
+                            <a:rPr lang="en-US" altLang="zh-CN" sz="1200" b="0" i="1" smtClean="0">
+                              <a:latin typeface="Cambria Math" panose="02040503050406030204" pitchFamily="18" charset="0"/>
+                            </a:rPr>
+                          </m:ctrlPr>
+                        </m:sSupPr>
+                        <m:e>
+                          <m:r>
+                            <a:rPr lang="en-US" altLang="zh-CN" sz="1200" b="0" i="1" smtClean="0">
+                              <a:latin typeface="Cambria Math" panose="02040503050406030204" pitchFamily="18" charset="0"/>
+                            </a:rPr>
+                            <m:t>𝑣</m:t>
+                          </m:r>
+                        </m:e>
+                        <m:sup>
+                          <m:r>
+                            <a:rPr lang="en-US" altLang="zh-CN" sz="1200" b="0" i="1" smtClean="0">
+                              <a:latin typeface="Cambria Math" panose="02040503050406030204" pitchFamily="18" charset="0"/>
+                            </a:rPr>
+                            <m:t>𝑦</m:t>
+                          </m:r>
+                        </m:sup>
+                      </m:sSup>
+                    </m:oMath>
+                  </m:oMathPara>
+                </a14:m>
+                <a:endParaRPr lang="zh-CN" altLang="en-US" sz="1200" dirty="0"/>
+              </a:p>
+            </p:txBody>
+          </p:sp>
+        </mc:Choice>
+        <mc:Fallback>
+          <p:sp>
+            <p:nvSpPr>
+              <p:cNvPr id="170" name="文本框 169">
+                <a:extLst>
+                  <a:ext uri="{FF2B5EF4-FFF2-40B4-BE49-F238E27FC236}">
+                    <a16:creationId xmlns:a16="http://schemas.microsoft.com/office/drawing/2014/main" id="{FCDA79A6-109C-BC39-A514-9CEB0DECABCF}"/>
+                  </a:ext>
+                </a:extLst>
+              </p:cNvPr>
+              <p:cNvSpPr txBox="1">
+                <a:spLocks noRot="1" noChangeAspect="1" noMove="1" noResize="1" noEditPoints="1" noAdjustHandles="1" noChangeArrowheads="1" noChangeShapeType="1" noTextEdit="1"/>
+              </p:cNvSpPr>
+              <p:nvPr/>
+            </p:nvSpPr>
+            <p:spPr>
+              <a:xfrm rot="16200000">
+                <a:off x="8535818" y="3739356"/>
+                <a:ext cx="213712" cy="184666"/>
+              </a:xfrm>
+              <a:prstGeom prst="rect">
+                <a:avLst/>
+              </a:prstGeom>
+              <a:blipFill>
+                <a:blip r:embed="rId12"/>
+                <a:stretch>
+                  <a:fillRect t="-5714" b="-11429"/>
+                </a:stretch>
+              </a:blipFill>
+            </p:spPr>
+            <p:txBody>
+              <a:bodyPr/>
+              <a:lstStyle/>
+              <a:p>
+                <a:r>
+                  <a:rPr lang="zh-CN" altLang="en-US">
+                    <a:noFill/>
+                  </a:rPr>
+                  <a:t> </a:t>
+                </a:r>
+              </a:p>
+            </p:txBody>
+          </p:sp>
+        </mc:Fallback>
+      </mc:AlternateContent>
     </p:spTree>
     <p:extLst>
       <p:ext uri="{BB962C8B-B14F-4D97-AF65-F5344CB8AC3E}">
